--- a/PEC2-Aagudoper.pptx
+++ b/PEC2-Aagudoper.pptx
@@ -19526,8 +19526,38 @@
         </p:blipFill>
         <p:spPr>
           <a:xfrm>
-            <a:off x="0" y="1031568"/>
-            <a:ext cx="9144000" cy="3827123"/>
+            <a:off x="0" y="869288"/>
+            <a:ext cx="8135257" cy="3404924"/>
+          </a:xfrm>
+          <a:prstGeom prst="rect">
+            <a:avLst/>
+          </a:prstGeom>
+        </p:spPr>
+      </p:pic>
+      <p:pic>
+        <p:nvPicPr>
+          <p:cNvPr id="4" name="Imagen 3">
+            <a:extLst>
+              <a:ext uri="{FF2B5EF4-FFF2-40B4-BE49-F238E27FC236}">
+                <a16:creationId xmlns:a16="http://schemas.microsoft.com/office/drawing/2014/main" id="{688B2B0F-4280-2F66-4EAA-E285C5FC3DC4}"/>
+              </a:ext>
+            </a:extLst>
+          </p:cNvPr>
+          <p:cNvPicPr>
+            <a:picLocks noChangeAspect="1"/>
+          </p:cNvPicPr>
+          <p:nvPr/>
+        </p:nvPicPr>
+        <p:blipFill>
+          <a:blip r:embed="rId4"/>
+          <a:stretch>
+            <a:fillRect/>
+          </a:stretch>
+        </p:blipFill>
+        <p:spPr>
+          <a:xfrm>
+            <a:off x="5661408" y="1527659"/>
+            <a:ext cx="3330192" cy="3204366"/>
           </a:xfrm>
           <a:prstGeom prst="rect">
             <a:avLst/>
@@ -21442,10 +21472,10 @@
       </p:sp>
       <p:pic>
         <p:nvPicPr>
-          <p:cNvPr id="3" name="Imagen 2">
+          <p:cNvPr id="7" name="Imagen 6">
             <a:extLst>
               <a:ext uri="{FF2B5EF4-FFF2-40B4-BE49-F238E27FC236}">
-                <a16:creationId xmlns:a16="http://schemas.microsoft.com/office/drawing/2014/main" id="{DB083E48-1318-65E6-2CAA-69AB9A193D7E}"/>
+                <a16:creationId xmlns:a16="http://schemas.microsoft.com/office/drawing/2014/main" id="{E6AC2D3F-3DCC-CED3-7273-7F57B0270719}"/>
               </a:ext>
             </a:extLst>
           </p:cNvPr>
@@ -21462,38 +21492,8 @@
         </p:blipFill>
         <p:spPr>
           <a:xfrm>
-            <a:off x="246743" y="975532"/>
-            <a:ext cx="7155543" cy="3923039"/>
-          </a:xfrm>
-          <a:prstGeom prst="rect">
-            <a:avLst/>
-          </a:prstGeom>
-        </p:spPr>
-      </p:pic>
-      <p:pic>
-        <p:nvPicPr>
-          <p:cNvPr id="5" name="Imagen 4">
-            <a:extLst>
-              <a:ext uri="{FF2B5EF4-FFF2-40B4-BE49-F238E27FC236}">
-                <a16:creationId xmlns:a16="http://schemas.microsoft.com/office/drawing/2014/main" id="{C4E81839-2E9D-A53F-15B7-15B9FF3C3795}"/>
-              </a:ext>
-            </a:extLst>
-          </p:cNvPr>
-          <p:cNvPicPr>
-            <a:picLocks noChangeAspect="1"/>
-          </p:cNvPicPr>
-          <p:nvPr/>
-        </p:nvPicPr>
-        <p:blipFill>
-          <a:blip r:embed="rId4"/>
-          <a:stretch>
-            <a:fillRect/>
-          </a:stretch>
-        </p:blipFill>
-        <p:spPr>
-          <a:xfrm>
-            <a:off x="6433315" y="2794000"/>
-            <a:ext cx="2710685" cy="1785257"/>
+            <a:off x="1001485" y="1109791"/>
+            <a:ext cx="7141029" cy="3870517"/>
           </a:xfrm>
           <a:prstGeom prst="rect">
             <a:avLst/>
